--- a/Final PPT Presentation.pptx
+++ b/Final PPT Presentation.pptx
@@ -20,11 +20,9 @@
     <p:sldId id="262" r:id="rId14"/>
     <p:sldId id="282" r:id="rId15"/>
     <p:sldId id="265" r:id="rId16"/>
-    <p:sldId id="267" r:id="rId17"/>
-    <p:sldId id="279" r:id="rId18"/>
-    <p:sldId id="268" r:id="rId19"/>
-    <p:sldId id="280" r:id="rId20"/>
-    <p:sldId id="269" r:id="rId21"/>
+    <p:sldId id="283" r:id="rId17"/>
+    <p:sldId id="284" r:id="rId18"/>
+    <p:sldId id="269" r:id="rId19"/>
   </p:sldIdLst>
   <p:sldSz cx="12192000" cy="6858000"/>
   <p:notesSz cx="6858000" cy="9144000"/>
@@ -5046,7 +5044,7 @@
         </p:nvSpPr>
         <p:spPr>
           <a:xfrm>
-            <a:off x="801187" y="390769"/>
+            <a:off x="761999" y="26460"/>
             <a:ext cx="10778067" cy="955674"/>
           </a:xfrm>
         </p:spPr>
@@ -5058,7 +5056,7 @@
           <a:p>
             <a:r>
               <a:rPr lang="en-US" sz="4000" b="1" dirty="0"/>
-              <a:t>Australian Full Time Employment</a:t>
+              <a:t>Australian FT vs PT Employment</a:t>
             </a:r>
             <a:endParaRPr lang="en-AU" sz="4000" b="1" dirty="0"/>
           </a:p>
@@ -5066,15 +5064,15 @@
       </p:sp>
       <p:pic>
         <p:nvPicPr>
-          <p:cNvPr id="3074" name="Picture 2">
-            <a:extLst>
-              <a:ext uri="{FF2B5EF4-FFF2-40B4-BE49-F238E27FC236}">
-                <a16:creationId xmlns:a16="http://schemas.microsoft.com/office/drawing/2014/main" id="{DB2D479F-BE95-7107-76B5-EC9C164DDE97}"/>
+          <p:cNvPr id="20" name="Picture 19">
+            <a:extLst>
+              <a:ext uri="{FF2B5EF4-FFF2-40B4-BE49-F238E27FC236}">
+                <a16:creationId xmlns:a16="http://schemas.microsoft.com/office/drawing/2014/main" id="{D5E2D9F6-C6A1-43D9-1D97-72EDF64547D0}"/>
               </a:ext>
             </a:extLst>
           </p:cNvPr>
           <p:cNvPicPr>
-            <a:picLocks noChangeAspect="1" noChangeArrowheads="1"/>
+            <a:picLocks noChangeAspect="1"/>
           </p:cNvPicPr>
           <p:nvPr/>
         </p:nvPicPr>
@@ -5086,35 +5084,563 @@
               </a:ext>
             </a:extLst>
           </a:blip>
-          <a:srcRect/>
           <a:stretch>
             <a:fillRect/>
           </a:stretch>
         </p:blipFill>
-        <p:spPr bwMode="auto">
-          <a:xfrm>
-            <a:off x="1774370" y="1497149"/>
-            <a:ext cx="7931333" cy="5185851"/>
+        <p:spPr>
+          <a:xfrm>
+            <a:off x="1207770" y="38100"/>
+            <a:ext cx="4888230" cy="6517640"/>
+          </a:xfrm>
+          <a:prstGeom prst="rect">
+            <a:avLst/>
+          </a:prstGeom>
+        </p:spPr>
+      </p:pic>
+      <p:pic>
+        <p:nvPicPr>
+          <p:cNvPr id="22" name="Picture 21">
+            <a:extLst>
+              <a:ext uri="{FF2B5EF4-FFF2-40B4-BE49-F238E27FC236}">
+                <a16:creationId xmlns:a16="http://schemas.microsoft.com/office/drawing/2014/main" id="{8FC27082-1CE9-0636-CEB8-ECACFB3BDBE7}"/>
+              </a:ext>
+            </a:extLst>
+          </p:cNvPr>
+          <p:cNvPicPr>
+            <a:picLocks noChangeAspect="1"/>
+          </p:cNvPicPr>
+          <p:nvPr/>
+        </p:nvPicPr>
+        <p:blipFill>
+          <a:blip r:embed="rId3">
+            <a:extLst>
+              <a:ext uri="{28A0092B-C50C-407E-A947-70E740481C1C}">
+                <a14:useLocalDpi xmlns:a14="http://schemas.microsoft.com/office/drawing/2010/main" val="0"/>
+              </a:ext>
+            </a:extLst>
+          </a:blip>
+          <a:stretch>
+            <a:fillRect/>
+          </a:stretch>
+        </p:blipFill>
+        <p:spPr>
+          <a:xfrm>
+            <a:off x="5314950" y="0"/>
+            <a:ext cx="4888230" cy="6517640"/>
+          </a:xfrm>
+          <a:prstGeom prst="rect">
+            <a:avLst/>
+          </a:prstGeom>
+        </p:spPr>
+      </p:pic>
+      <p:sp>
+        <p:nvSpPr>
+          <p:cNvPr id="23" name="TextBox 22">
+            <a:extLst>
+              <a:ext uri="{FF2B5EF4-FFF2-40B4-BE49-F238E27FC236}">
+                <a16:creationId xmlns:a16="http://schemas.microsoft.com/office/drawing/2014/main" id="{368ECF2B-1873-9545-DD44-A58C4840B208}"/>
+              </a:ext>
+            </a:extLst>
+          </p:cNvPr>
+          <p:cNvSpPr txBox="1"/>
+          <p:nvPr/>
+        </p:nvSpPr>
+        <p:spPr>
+          <a:xfrm>
+            <a:off x="3259455" y="874607"/>
+            <a:ext cx="2438400" cy="1408078"/>
           </a:xfrm>
           <a:prstGeom prst="rect">
             <a:avLst/>
           </a:prstGeom>
           <a:noFill/>
-          <a:extLst>
-            <a:ext uri="{909E8E84-426E-40DD-AFC4-6F175D3DCCD1}">
-              <a14:hiddenFill xmlns:a14="http://schemas.microsoft.com/office/drawing/2010/main">
-                <a:solidFill>
-                  <a:srgbClr val="FFFFFF"/>
-                </a:solidFill>
-              </a14:hiddenFill>
-            </a:ext>
-          </a:extLst>
-        </p:spPr>
-      </p:pic>
+        </p:spPr>
+        <p:txBody>
+          <a:bodyPr wrap="square" rtlCol="0">
+            <a:spAutoFit/>
+          </a:bodyPr>
+          <a:lstStyle/>
+          <a:p>
+            <a:r>
+              <a:rPr lang="en-GB" sz="1200" dirty="0"/>
+              <a:t>Top 5</a:t>
+            </a:r>
+          </a:p>
+          <a:p>
+            <a:pPr marL="228600" indent="-228600">
+              <a:buAutoNum type="arabicPeriod"/>
+            </a:pPr>
+            <a:r>
+              <a:rPr lang="en-GB" sz="1050" dirty="0"/>
+              <a:t>Health Care +77.79</a:t>
+            </a:r>
+          </a:p>
+          <a:p>
+            <a:pPr marL="228600" indent="-228600">
+              <a:buAutoNum type="arabicPeriod"/>
+            </a:pPr>
+            <a:r>
+              <a:rPr lang="en-GB" sz="1050" dirty="0"/>
+              <a:t>Professional, Scientific and Technical Services +76.70</a:t>
+            </a:r>
+          </a:p>
+          <a:p>
+            <a:pPr marL="228600" indent="-228600">
+              <a:buAutoNum type="arabicPeriod"/>
+            </a:pPr>
+            <a:r>
+              <a:rPr lang="en-GB" sz="1050" dirty="0"/>
+              <a:t>Public Administration &amp; Safety  +64.35</a:t>
+            </a:r>
+          </a:p>
+          <a:p>
+            <a:pPr marL="228600" indent="-228600">
+              <a:buAutoNum type="arabicPeriod"/>
+            </a:pPr>
+            <a:r>
+              <a:rPr lang="en-AU" sz="1050" dirty="0"/>
+              <a:t>Financial Insurance Services +51.39</a:t>
+            </a:r>
+          </a:p>
+          <a:p>
+            <a:pPr marL="228600" indent="-228600">
+              <a:buAutoNum type="arabicPeriod"/>
+            </a:pPr>
+            <a:r>
+              <a:rPr lang="en-AU" sz="1050" dirty="0"/>
+              <a:t>Education and Training +42.42</a:t>
+            </a:r>
+          </a:p>
+        </p:txBody>
+      </p:sp>
+      <p:sp>
+        <p:nvSpPr>
+          <p:cNvPr id="25" name="TextBox 24">
+            <a:extLst>
+              <a:ext uri="{FF2B5EF4-FFF2-40B4-BE49-F238E27FC236}">
+                <a16:creationId xmlns:a16="http://schemas.microsoft.com/office/drawing/2014/main" id="{4AF1E2EA-0C60-DDD8-BBC3-AB5D1D18C07A}"/>
+              </a:ext>
+            </a:extLst>
+          </p:cNvPr>
+          <p:cNvSpPr txBox="1"/>
+          <p:nvPr/>
+        </p:nvSpPr>
+        <p:spPr>
+          <a:xfrm>
+            <a:off x="1799273" y="4122420"/>
+            <a:ext cx="1852612" cy="1569660"/>
+          </a:xfrm>
+          <a:prstGeom prst="rect">
+            <a:avLst/>
+          </a:prstGeom>
+          <a:noFill/>
+        </p:spPr>
+        <p:txBody>
+          <a:bodyPr wrap="square" rtlCol="0">
+            <a:spAutoFit/>
+          </a:bodyPr>
+          <a:lstStyle/>
+          <a:p>
+            <a:r>
+              <a:rPr lang="en-GB" sz="1200" dirty="0"/>
+              <a:t>Bottom 5</a:t>
+            </a:r>
+          </a:p>
+          <a:p>
+            <a:pPr marL="228600" indent="-228600">
+              <a:buAutoNum type="arabicPeriod"/>
+            </a:pPr>
+            <a:r>
+              <a:rPr lang="en-GB" sz="1050" dirty="0"/>
+              <a:t>Accommodation &amp; Food Services -36.13</a:t>
+            </a:r>
+          </a:p>
+          <a:p>
+            <a:pPr marL="228600" indent="-228600">
+              <a:buAutoNum type="arabicPeriod"/>
+            </a:pPr>
+            <a:r>
+              <a:rPr lang="en-GB" sz="1050" dirty="0"/>
+              <a:t>Manufacturing -30.95</a:t>
+            </a:r>
+          </a:p>
+          <a:p>
+            <a:pPr marL="228600" indent="-228600">
+              <a:buAutoNum type="arabicPeriod"/>
+            </a:pPr>
+            <a:r>
+              <a:rPr lang="en-GB" sz="1050" dirty="0"/>
+              <a:t>Construction -19.71</a:t>
+            </a:r>
+          </a:p>
+          <a:p>
+            <a:pPr marL="228600" indent="-228600">
+              <a:buAutoNum type="arabicPeriod"/>
+            </a:pPr>
+            <a:r>
+              <a:rPr lang="en-GB" sz="1050" dirty="0"/>
+              <a:t>Information Media and Telecommunications -14.05</a:t>
+            </a:r>
+          </a:p>
+          <a:p>
+            <a:pPr marL="228600" indent="-228600">
+              <a:buAutoNum type="arabicPeriod"/>
+            </a:pPr>
+            <a:r>
+              <a:rPr lang="en-GB" sz="1050" dirty="0"/>
+              <a:t>Wholesale -13.45</a:t>
+            </a:r>
+            <a:endParaRPr lang="en-AU" sz="1050" dirty="0"/>
+          </a:p>
+        </p:txBody>
+      </p:sp>
+      <p:sp>
+        <p:nvSpPr>
+          <p:cNvPr id="26" name="TextBox 25">
+            <a:extLst>
+              <a:ext uri="{FF2B5EF4-FFF2-40B4-BE49-F238E27FC236}">
+                <a16:creationId xmlns:a16="http://schemas.microsoft.com/office/drawing/2014/main" id="{BF518516-485B-EC55-E0CC-35174B1719F1}"/>
+              </a:ext>
+            </a:extLst>
+          </p:cNvPr>
+          <p:cNvSpPr txBox="1"/>
+          <p:nvPr/>
+        </p:nvSpPr>
+        <p:spPr>
+          <a:xfrm>
+            <a:off x="6541771" y="944880"/>
+            <a:ext cx="2388869" cy="1246495"/>
+          </a:xfrm>
+          <a:prstGeom prst="rect">
+            <a:avLst/>
+          </a:prstGeom>
+          <a:noFill/>
+        </p:spPr>
+        <p:txBody>
+          <a:bodyPr wrap="square" rtlCol="0">
+            <a:spAutoFit/>
+          </a:bodyPr>
+          <a:lstStyle/>
+          <a:p>
+            <a:r>
+              <a:rPr lang="en-GB" sz="1200" dirty="0"/>
+              <a:t>Top 5</a:t>
+            </a:r>
+          </a:p>
+          <a:p>
+            <a:pPr marL="228600" indent="-228600">
+              <a:buAutoNum type="arabicPeriod"/>
+            </a:pPr>
+            <a:r>
+              <a:rPr lang="en-GB" sz="1050" dirty="0"/>
+              <a:t>Health Care 56.63</a:t>
+            </a:r>
+          </a:p>
+          <a:p>
+            <a:pPr marL="228600" indent="-228600">
+              <a:buAutoNum type="arabicPeriod"/>
+            </a:pPr>
+            <a:r>
+              <a:rPr lang="en-GB" sz="1050" dirty="0"/>
+              <a:t>Education +15.45</a:t>
+            </a:r>
+          </a:p>
+          <a:p>
+            <a:pPr marL="228600" indent="-228600">
+              <a:buAutoNum type="arabicPeriod"/>
+            </a:pPr>
+            <a:r>
+              <a:rPr lang="en-GB" sz="1050" dirty="0"/>
+              <a:t>Professional, Scientific and Technical Services +14.82</a:t>
+            </a:r>
+          </a:p>
+          <a:p>
+            <a:pPr marL="228600" indent="-228600">
+              <a:buAutoNum type="arabicPeriod"/>
+            </a:pPr>
+            <a:r>
+              <a:rPr lang="en-GB" sz="1050" dirty="0"/>
+              <a:t>Other +5.4</a:t>
+            </a:r>
+          </a:p>
+          <a:p>
+            <a:pPr marL="228600" indent="-228600">
+              <a:buAutoNum type="arabicPeriod"/>
+            </a:pPr>
+            <a:r>
+              <a:rPr lang="en-GB" sz="1050" dirty="0"/>
+              <a:t>Transport + 5.39</a:t>
+            </a:r>
+          </a:p>
+        </p:txBody>
+      </p:sp>
+      <p:sp>
+        <p:nvSpPr>
+          <p:cNvPr id="27" name="TextBox 26">
+            <a:extLst>
+              <a:ext uri="{FF2B5EF4-FFF2-40B4-BE49-F238E27FC236}">
+                <a16:creationId xmlns:a16="http://schemas.microsoft.com/office/drawing/2014/main" id="{A734C6A6-A540-9209-4869-856FF4DBC721}"/>
+              </a:ext>
+            </a:extLst>
+          </p:cNvPr>
+          <p:cNvSpPr txBox="1"/>
+          <p:nvPr/>
+        </p:nvSpPr>
+        <p:spPr>
+          <a:xfrm>
+            <a:off x="6028373" y="3802380"/>
+            <a:ext cx="1798320" cy="2054409"/>
+          </a:xfrm>
+          <a:prstGeom prst="rect">
+            <a:avLst/>
+          </a:prstGeom>
+          <a:noFill/>
+        </p:spPr>
+        <p:txBody>
+          <a:bodyPr wrap="square" rtlCol="0">
+            <a:spAutoFit/>
+          </a:bodyPr>
+          <a:lstStyle/>
+          <a:p>
+            <a:r>
+              <a:rPr lang="en-GB" sz="1200" dirty="0"/>
+              <a:t>Bottom 5</a:t>
+            </a:r>
+          </a:p>
+          <a:p>
+            <a:pPr marL="228600" indent="-228600">
+              <a:buAutoNum type="arabicPeriod"/>
+            </a:pPr>
+            <a:r>
+              <a:rPr lang="en-GB" sz="1050" dirty="0"/>
+              <a:t>Accommodation &amp; Food Services -36.38</a:t>
+            </a:r>
+          </a:p>
+          <a:p>
+            <a:pPr marL="228600" indent="-228600">
+              <a:buAutoNum type="arabicPeriod"/>
+            </a:pPr>
+            <a:r>
+              <a:rPr lang="en-GB" sz="1050" dirty="0"/>
+              <a:t>Arts and Recreation Services -15.45</a:t>
+            </a:r>
+          </a:p>
+          <a:p>
+            <a:pPr marL="228600" indent="-228600">
+              <a:buAutoNum type="arabicPeriod"/>
+            </a:pPr>
+            <a:r>
+              <a:rPr lang="en-GB" sz="1050" dirty="0"/>
+              <a:t>Retail -14.92</a:t>
+            </a:r>
+          </a:p>
+          <a:p>
+            <a:pPr marL="228600" indent="-228600">
+              <a:buAutoNum type="arabicPeriod"/>
+            </a:pPr>
+            <a:r>
+              <a:rPr lang="en-GB" sz="1050" dirty="0"/>
+              <a:t>Administrative and Support Services -11.53</a:t>
+            </a:r>
+          </a:p>
+          <a:p>
+            <a:pPr marL="228600" indent="-228600">
+              <a:buAutoNum type="arabicPeriod"/>
+            </a:pPr>
+            <a:r>
+              <a:rPr lang="en-GB" sz="1050" dirty="0"/>
+              <a:t>Information Media and Telecommunications – 7.56</a:t>
+            </a:r>
+          </a:p>
+          <a:p>
+            <a:pPr marL="228600" indent="-228600">
+              <a:buAutoNum type="arabicPeriod"/>
+            </a:pPr>
+            <a:endParaRPr lang="en-AU" sz="1050" dirty="0"/>
+          </a:p>
+        </p:txBody>
+      </p:sp>
+      <p:sp>
+        <p:nvSpPr>
+          <p:cNvPr id="28" name="Arrow: Right 27">
+            <a:extLst>
+              <a:ext uri="{FF2B5EF4-FFF2-40B4-BE49-F238E27FC236}">
+                <a16:creationId xmlns:a16="http://schemas.microsoft.com/office/drawing/2014/main" id="{9E2FC134-CACD-ABDC-5CDC-FAD1290459C6}"/>
+              </a:ext>
+            </a:extLst>
+          </p:cNvPr>
+          <p:cNvSpPr/>
+          <p:nvPr/>
+        </p:nvSpPr>
+        <p:spPr>
+          <a:xfrm>
+            <a:off x="7339013" y="4513488"/>
+            <a:ext cx="410528" cy="264252"/>
+          </a:xfrm>
+          <a:prstGeom prst="rightArrow">
+            <a:avLst/>
+          </a:prstGeom>
+        </p:spPr>
+        <p:style>
+          <a:lnRef idx="1">
+            <a:schemeClr val="accent5"/>
+          </a:lnRef>
+          <a:fillRef idx="2">
+            <a:schemeClr val="accent5"/>
+          </a:fillRef>
+          <a:effectRef idx="1">
+            <a:schemeClr val="accent5"/>
+          </a:effectRef>
+          <a:fontRef idx="minor">
+            <a:schemeClr val="dk1"/>
+          </a:fontRef>
+        </p:style>
+        <p:txBody>
+          <a:bodyPr rtlCol="0" anchor="ctr"/>
+          <a:lstStyle/>
+          <a:p>
+            <a:pPr algn="ctr"/>
+            <a:endParaRPr lang="en-AU"/>
+          </a:p>
+        </p:txBody>
+      </p:sp>
+      <p:sp>
+        <p:nvSpPr>
+          <p:cNvPr id="29" name="Arrow: Down 28">
+            <a:extLst>
+              <a:ext uri="{FF2B5EF4-FFF2-40B4-BE49-F238E27FC236}">
+                <a16:creationId xmlns:a16="http://schemas.microsoft.com/office/drawing/2014/main" id="{33280E97-C049-766C-1944-1EABE2D62C00}"/>
+              </a:ext>
+            </a:extLst>
+          </p:cNvPr>
+          <p:cNvSpPr/>
+          <p:nvPr/>
+        </p:nvSpPr>
+        <p:spPr>
+          <a:xfrm>
+            <a:off x="7002780" y="2282685"/>
+            <a:ext cx="336233" cy="440646"/>
+          </a:xfrm>
+          <a:prstGeom prst="downArrow">
+            <a:avLst/>
+          </a:prstGeom>
+        </p:spPr>
+        <p:style>
+          <a:lnRef idx="1">
+            <a:schemeClr val="accent5"/>
+          </a:lnRef>
+          <a:fillRef idx="2">
+            <a:schemeClr val="accent5"/>
+          </a:fillRef>
+          <a:effectRef idx="1">
+            <a:schemeClr val="accent5"/>
+          </a:effectRef>
+          <a:fontRef idx="minor">
+            <a:schemeClr val="dk1"/>
+          </a:fontRef>
+        </p:style>
+        <p:txBody>
+          <a:bodyPr rtlCol="0" anchor="ctr"/>
+          <a:lstStyle/>
+          <a:p>
+            <a:pPr algn="ctr"/>
+            <a:endParaRPr lang="en-AU"/>
+          </a:p>
+        </p:txBody>
+      </p:sp>
+      <p:sp>
+        <p:nvSpPr>
+          <p:cNvPr id="30" name="Arrow: Down 29">
+            <a:extLst>
+              <a:ext uri="{FF2B5EF4-FFF2-40B4-BE49-F238E27FC236}">
+                <a16:creationId xmlns:a16="http://schemas.microsoft.com/office/drawing/2014/main" id="{7762D16B-F3CC-BD64-88B5-4A9363A2BB40}"/>
+              </a:ext>
+            </a:extLst>
+          </p:cNvPr>
+          <p:cNvSpPr/>
+          <p:nvPr/>
+        </p:nvSpPr>
+        <p:spPr>
+          <a:xfrm>
+            <a:off x="3011805" y="1037168"/>
+            <a:ext cx="300990" cy="423729"/>
+          </a:xfrm>
+          <a:prstGeom prst="downArrow">
+            <a:avLst/>
+          </a:prstGeom>
+        </p:spPr>
+        <p:style>
+          <a:lnRef idx="1">
+            <a:schemeClr val="accent5"/>
+          </a:lnRef>
+          <a:fillRef idx="2">
+            <a:schemeClr val="accent5"/>
+          </a:fillRef>
+          <a:effectRef idx="1">
+            <a:schemeClr val="accent5"/>
+          </a:effectRef>
+          <a:fontRef idx="minor">
+            <a:schemeClr val="dk1"/>
+          </a:fontRef>
+        </p:style>
+        <p:txBody>
+          <a:bodyPr rtlCol="0" anchor="ctr"/>
+          <a:lstStyle/>
+          <a:p>
+            <a:pPr algn="ctr"/>
+            <a:endParaRPr lang="en-AU"/>
+          </a:p>
+        </p:txBody>
+      </p:sp>
+      <p:sp>
+        <p:nvSpPr>
+          <p:cNvPr id="31" name="Arrow: Right 30">
+            <a:extLst>
+              <a:ext uri="{FF2B5EF4-FFF2-40B4-BE49-F238E27FC236}">
+                <a16:creationId xmlns:a16="http://schemas.microsoft.com/office/drawing/2014/main" id="{FCCA02C0-1483-778B-8B6E-D8D8CCB1B009}"/>
+              </a:ext>
+            </a:extLst>
+          </p:cNvPr>
+          <p:cNvSpPr/>
+          <p:nvPr/>
+        </p:nvSpPr>
+        <p:spPr>
+          <a:xfrm>
+            <a:off x="3352800" y="4575316"/>
+            <a:ext cx="365760" cy="276999"/>
+          </a:xfrm>
+          <a:prstGeom prst="rightArrow">
+            <a:avLst/>
+          </a:prstGeom>
+        </p:spPr>
+        <p:style>
+          <a:lnRef idx="1">
+            <a:schemeClr val="accent5"/>
+          </a:lnRef>
+          <a:fillRef idx="2">
+            <a:schemeClr val="accent5"/>
+          </a:fillRef>
+          <a:effectRef idx="1">
+            <a:schemeClr val="accent5"/>
+          </a:effectRef>
+          <a:fontRef idx="minor">
+            <a:schemeClr val="dk1"/>
+          </a:fontRef>
+        </p:style>
+        <p:txBody>
+          <a:bodyPr rtlCol="0" anchor="ctr"/>
+          <a:lstStyle/>
+          <a:p>
+            <a:pPr algn="ctr"/>
+            <a:endParaRPr lang="en-AU"/>
+          </a:p>
+        </p:txBody>
+      </p:sp>
     </p:spTree>
     <p:extLst>
       <p:ext uri="{BB962C8B-B14F-4D97-AF65-F5344CB8AC3E}">
-        <p14:creationId xmlns:p14="http://schemas.microsoft.com/office/powerpoint/2010/main" val="922974028"/>
+        <p14:creationId xmlns:p14="http://schemas.microsoft.com/office/powerpoint/2010/main" val="1115633233"/>
       </p:ext>
     </p:extLst>
   </p:cSld>
@@ -5146,7 +5672,7 @@
           <p:cNvPr id="2" name="Title 1">
             <a:extLst>
               <a:ext uri="{FF2B5EF4-FFF2-40B4-BE49-F238E27FC236}">
-                <a16:creationId xmlns:a16="http://schemas.microsoft.com/office/drawing/2014/main" id="{7ED73ACC-C513-74DE-6606-FD4477D1C274}"/>
+                <a16:creationId xmlns:a16="http://schemas.microsoft.com/office/drawing/2014/main" id="{EAA63AD2-6C29-F6B2-7348-B9AC0DE7EF1B}"/>
               </a:ext>
             </a:extLst>
           </p:cNvPr>
@@ -5157,7 +5683,12 @@
             <p:ph type="title"/>
           </p:nvPr>
         </p:nvSpPr>
-        <p:spPr/>
+        <p:spPr>
+          <a:xfrm>
+            <a:off x="838200" y="123825"/>
+            <a:ext cx="10515600" cy="1325563"/>
+          </a:xfrm>
+        </p:spPr>
         <p:txBody>
           <a:bodyPr vert="horz" lIns="91440" tIns="45720" rIns="91440" bIns="45720" rtlCol="0" anchor="ctr">
             <a:normAutofit/>
@@ -5165,24 +5696,23 @@
           <a:lstStyle/>
           <a:p>
             <a:r>
-              <a:rPr lang="en-US" sz="4000" b="1" dirty="0"/>
-              <a:t>Australian Part Time Employment</a:t>
-            </a:r>
-            <a:endParaRPr lang="en-AU" sz="4000" b="1" dirty="0"/>
+              <a:rPr lang="en-AU" sz="4000" b="1" dirty="0"/>
+              <a:t>WA FT vs PT Employment</a:t>
+            </a:r>
           </a:p>
         </p:txBody>
       </p:sp>
       <p:pic>
         <p:nvPicPr>
-          <p:cNvPr id="5122" name="Picture 2">
-            <a:extLst>
-              <a:ext uri="{FF2B5EF4-FFF2-40B4-BE49-F238E27FC236}">
-                <a16:creationId xmlns:a16="http://schemas.microsoft.com/office/drawing/2014/main" id="{F50F28B3-9E4D-4A13-B04D-04A5659BEE12}"/>
+          <p:cNvPr id="5" name="Content Placeholder 4">
+            <a:extLst>
+              <a:ext uri="{FF2B5EF4-FFF2-40B4-BE49-F238E27FC236}">
+                <a16:creationId xmlns:a16="http://schemas.microsoft.com/office/drawing/2014/main" id="{19C557B3-2A11-BD4C-2D67-365E7F670482}"/>
               </a:ext>
             </a:extLst>
           </p:cNvPr>
           <p:cNvPicPr>
-            <a:picLocks noGrp="1" noChangeAspect="1" noChangeArrowheads="1"/>
+            <a:picLocks noGrp="1" noChangeAspect="1"/>
           </p:cNvPicPr>
           <p:nvPr>
             <p:ph idx="1"/>
@@ -5196,35 +5726,568 @@
               </a:ext>
             </a:extLst>
           </a:blip>
-          <a:srcRect/>
           <a:stretch>
             <a:fillRect/>
           </a:stretch>
         </p:blipFill>
-        <p:spPr bwMode="auto">
-          <a:xfrm>
-            <a:off x="2286001" y="1460526"/>
-            <a:ext cx="6900332" cy="5279349"/>
+        <p:spPr>
+          <a:xfrm>
+            <a:off x="967203" y="628492"/>
+            <a:ext cx="4546403" cy="6061870"/>
+          </a:xfrm>
+        </p:spPr>
+      </p:pic>
+      <p:pic>
+        <p:nvPicPr>
+          <p:cNvPr id="7" name="Picture 6">
+            <a:extLst>
+              <a:ext uri="{FF2B5EF4-FFF2-40B4-BE49-F238E27FC236}">
+                <a16:creationId xmlns:a16="http://schemas.microsoft.com/office/drawing/2014/main" id="{37F4050E-F19D-2AF9-5878-C390D2E19243}"/>
+              </a:ext>
+            </a:extLst>
+          </p:cNvPr>
+          <p:cNvPicPr>
+            <a:picLocks noChangeAspect="1"/>
+          </p:cNvPicPr>
+          <p:nvPr/>
+        </p:nvPicPr>
+        <p:blipFill>
+          <a:blip r:embed="rId3">
+            <a:extLst>
+              <a:ext uri="{28A0092B-C50C-407E-A947-70E740481C1C}">
+                <a14:useLocalDpi xmlns:a14="http://schemas.microsoft.com/office/drawing/2010/main" val="0"/>
+              </a:ext>
+            </a:extLst>
+          </a:blip>
+          <a:stretch>
+            <a:fillRect/>
+          </a:stretch>
+        </p:blipFill>
+        <p:spPr>
+          <a:xfrm>
+            <a:off x="5271968" y="628491"/>
+            <a:ext cx="4546403" cy="6061870"/>
+          </a:xfrm>
+          <a:prstGeom prst="rect">
+            <a:avLst/>
+          </a:prstGeom>
+        </p:spPr>
+      </p:pic>
+      <p:sp>
+        <p:nvSpPr>
+          <p:cNvPr id="8" name="TextBox 7">
+            <a:extLst>
+              <a:ext uri="{FF2B5EF4-FFF2-40B4-BE49-F238E27FC236}">
+                <a16:creationId xmlns:a16="http://schemas.microsoft.com/office/drawing/2014/main" id="{5C925E4E-7DDA-96AC-5898-FB018E5C26C2}"/>
+              </a:ext>
+            </a:extLst>
+          </p:cNvPr>
+          <p:cNvSpPr txBox="1"/>
+          <p:nvPr/>
+        </p:nvSpPr>
+        <p:spPr>
+          <a:xfrm>
+            <a:off x="2880360" y="1508760"/>
+            <a:ext cx="2087880" cy="1408078"/>
           </a:xfrm>
           <a:prstGeom prst="rect">
             <a:avLst/>
           </a:prstGeom>
           <a:noFill/>
-          <a:extLst>
-            <a:ext uri="{909E8E84-426E-40DD-AFC4-6F175D3DCCD1}">
-              <a14:hiddenFill xmlns:a14="http://schemas.microsoft.com/office/drawing/2010/main">
-                <a:solidFill>
-                  <a:srgbClr val="FFFFFF"/>
-                </a:solidFill>
-              </a14:hiddenFill>
-            </a:ext>
-          </a:extLst>
-        </p:spPr>
-      </p:pic>
+        </p:spPr>
+        <p:txBody>
+          <a:bodyPr wrap="square" rtlCol="0">
+            <a:spAutoFit/>
+          </a:bodyPr>
+          <a:lstStyle/>
+          <a:p>
+            <a:r>
+              <a:rPr lang="en-GB" sz="1200" dirty="0"/>
+              <a:t>Top 5</a:t>
+            </a:r>
+          </a:p>
+          <a:p>
+            <a:pPr marL="228600" indent="-228600">
+              <a:buAutoNum type="arabicPeriod"/>
+            </a:pPr>
+            <a:r>
+              <a:rPr lang="en-GB" sz="1050" dirty="0"/>
+              <a:t>Mining +11.29</a:t>
+            </a:r>
+          </a:p>
+          <a:p>
+            <a:pPr marL="228600" indent="-228600">
+              <a:buAutoNum type="arabicPeriod"/>
+            </a:pPr>
+            <a:r>
+              <a:rPr lang="en-GB" sz="1050" dirty="0"/>
+              <a:t>Health Care +10.54</a:t>
+            </a:r>
+          </a:p>
+          <a:p>
+            <a:pPr marL="228600" indent="-228600">
+              <a:buAutoNum type="arabicPeriod"/>
+            </a:pPr>
+            <a:r>
+              <a:rPr lang="en-GB" sz="1050" dirty="0"/>
+              <a:t>Other +6.02</a:t>
+            </a:r>
+          </a:p>
+          <a:p>
+            <a:pPr marL="228600" indent="-228600">
+              <a:buAutoNum type="arabicPeriod"/>
+            </a:pPr>
+            <a:r>
+              <a:rPr lang="en-GB" sz="1050" dirty="0"/>
+              <a:t>Public Administration and Safety +4.19</a:t>
+            </a:r>
+          </a:p>
+          <a:p>
+            <a:pPr marL="228600" indent="-228600">
+              <a:buAutoNum type="arabicPeriod"/>
+            </a:pPr>
+            <a:r>
+              <a:rPr lang="en-GB" sz="1050" dirty="0"/>
+              <a:t>Professional, Scientific and Technical Services +3.54</a:t>
+            </a:r>
+            <a:endParaRPr lang="en-AU" sz="1050" dirty="0"/>
+          </a:p>
+        </p:txBody>
+      </p:sp>
+      <p:sp>
+        <p:nvSpPr>
+          <p:cNvPr id="9" name="TextBox 8">
+            <a:extLst>
+              <a:ext uri="{FF2B5EF4-FFF2-40B4-BE49-F238E27FC236}">
+                <a16:creationId xmlns:a16="http://schemas.microsoft.com/office/drawing/2014/main" id="{3DA6530A-C4B6-2BB1-4399-2299BD79BBEA}"/>
+              </a:ext>
+            </a:extLst>
+          </p:cNvPr>
+          <p:cNvSpPr txBox="1"/>
+          <p:nvPr/>
+        </p:nvSpPr>
+        <p:spPr>
+          <a:xfrm>
+            <a:off x="1579244" y="4168140"/>
+            <a:ext cx="1661160" cy="1731243"/>
+          </a:xfrm>
+          <a:prstGeom prst="rect">
+            <a:avLst/>
+          </a:prstGeom>
+          <a:noFill/>
+        </p:spPr>
+        <p:txBody>
+          <a:bodyPr wrap="square" rtlCol="0">
+            <a:spAutoFit/>
+          </a:bodyPr>
+          <a:lstStyle/>
+          <a:p>
+            <a:r>
+              <a:rPr lang="en-GB" sz="1200" dirty="0"/>
+              <a:t>Bottom 5</a:t>
+            </a:r>
+          </a:p>
+          <a:p>
+            <a:pPr marL="228600" indent="-228600">
+              <a:buAutoNum type="arabicPeriod"/>
+            </a:pPr>
+            <a:r>
+              <a:rPr lang="en-GB" sz="1050" dirty="0"/>
+              <a:t>Manufacturing -7.14</a:t>
+            </a:r>
+          </a:p>
+          <a:p>
+            <a:pPr marL="228600" indent="-228600">
+              <a:buAutoNum type="arabicPeriod"/>
+            </a:pPr>
+            <a:r>
+              <a:rPr lang="en-GB" sz="1050" dirty="0"/>
+              <a:t>Accommodation and Food Services -3.89</a:t>
+            </a:r>
+          </a:p>
+          <a:p>
+            <a:pPr marL="228600" indent="-228600">
+              <a:buAutoNum type="arabicPeriod"/>
+            </a:pPr>
+            <a:r>
+              <a:rPr lang="en-GB" sz="1050" dirty="0"/>
+              <a:t>Agriculture, Forestry and Fishing -3.19</a:t>
+            </a:r>
+          </a:p>
+          <a:p>
+            <a:pPr marL="228600" indent="-228600">
+              <a:buAutoNum type="arabicPeriod"/>
+            </a:pPr>
+            <a:r>
+              <a:rPr lang="en-GB" sz="1050" dirty="0"/>
+              <a:t>Administrative and Support Services -2.18</a:t>
+            </a:r>
+          </a:p>
+          <a:p>
+            <a:pPr marL="228600" indent="-228600">
+              <a:buAutoNum type="arabicPeriod"/>
+            </a:pPr>
+            <a:r>
+              <a:rPr lang="en-GB" sz="1050" dirty="0"/>
+              <a:t>Education and Training -1.87</a:t>
+            </a:r>
+            <a:endParaRPr lang="en-AU" sz="1050" dirty="0"/>
+          </a:p>
+        </p:txBody>
+      </p:sp>
+      <p:sp>
+        <p:nvSpPr>
+          <p:cNvPr id="10" name="TextBox 9">
+            <a:extLst>
+              <a:ext uri="{FF2B5EF4-FFF2-40B4-BE49-F238E27FC236}">
+                <a16:creationId xmlns:a16="http://schemas.microsoft.com/office/drawing/2014/main" id="{4E8B1C9D-71D6-41CE-1074-6EC27FDF7596}"/>
+              </a:ext>
+            </a:extLst>
+          </p:cNvPr>
+          <p:cNvSpPr txBox="1"/>
+          <p:nvPr/>
+        </p:nvSpPr>
+        <p:spPr>
+          <a:xfrm>
+            <a:off x="7056120" y="1508760"/>
+            <a:ext cx="2171700" cy="1408078"/>
+          </a:xfrm>
+          <a:prstGeom prst="rect">
+            <a:avLst/>
+          </a:prstGeom>
+          <a:noFill/>
+        </p:spPr>
+        <p:txBody>
+          <a:bodyPr wrap="square" rtlCol="0">
+            <a:spAutoFit/>
+          </a:bodyPr>
+          <a:lstStyle/>
+          <a:p>
+            <a:r>
+              <a:rPr lang="en-GB" sz="1200" dirty="0"/>
+              <a:t>Top 5</a:t>
+            </a:r>
+          </a:p>
+          <a:p>
+            <a:pPr marL="228600" indent="-228600">
+              <a:buAutoNum type="arabicPeriod"/>
+            </a:pPr>
+            <a:r>
+              <a:rPr lang="en-GB" sz="1050" dirty="0"/>
+              <a:t>Health Care +6.78</a:t>
+            </a:r>
+          </a:p>
+          <a:p>
+            <a:pPr marL="228600" indent="-228600">
+              <a:buAutoNum type="arabicPeriod"/>
+            </a:pPr>
+            <a:r>
+              <a:rPr lang="en-GB" sz="1050" dirty="0"/>
+              <a:t>Education and Training +6.59</a:t>
+            </a:r>
+          </a:p>
+          <a:p>
+            <a:pPr marL="228600" indent="-228600">
+              <a:buAutoNum type="arabicPeriod"/>
+            </a:pPr>
+            <a:r>
+              <a:rPr lang="en-GB" sz="1050" dirty="0"/>
+              <a:t>Retail +3.53</a:t>
+            </a:r>
+          </a:p>
+          <a:p>
+            <a:pPr marL="228600" indent="-228600">
+              <a:buAutoNum type="arabicPeriod"/>
+            </a:pPr>
+            <a:r>
+              <a:rPr lang="en-GB" sz="1050" dirty="0"/>
+              <a:t>Public Administration and Safety +3.01</a:t>
+            </a:r>
+          </a:p>
+          <a:p>
+            <a:pPr marL="228600" indent="-228600">
+              <a:buAutoNum type="arabicPeriod"/>
+            </a:pPr>
+            <a:r>
+              <a:rPr lang="en-GB" sz="1050" dirty="0"/>
+              <a:t>Professional, Scientific and Technical Services +2.80</a:t>
+            </a:r>
+            <a:endParaRPr lang="en-AU" sz="1050" dirty="0"/>
+          </a:p>
+        </p:txBody>
+      </p:sp>
+      <p:sp>
+        <p:nvSpPr>
+          <p:cNvPr id="11" name="TextBox 10">
+            <a:extLst>
+              <a:ext uri="{FF2B5EF4-FFF2-40B4-BE49-F238E27FC236}">
+                <a16:creationId xmlns:a16="http://schemas.microsoft.com/office/drawing/2014/main" id="{A205A7C0-3560-7271-0828-94E5DA6326CF}"/>
+              </a:ext>
+            </a:extLst>
+          </p:cNvPr>
+          <p:cNvSpPr txBox="1"/>
+          <p:nvPr/>
+        </p:nvSpPr>
+        <p:spPr>
+          <a:xfrm>
+            <a:off x="5874457" y="4438466"/>
+            <a:ext cx="1791531" cy="1831271"/>
+          </a:xfrm>
+          <a:prstGeom prst="rect">
+            <a:avLst/>
+          </a:prstGeom>
+          <a:noFill/>
+        </p:spPr>
+        <p:txBody>
+          <a:bodyPr wrap="square" rtlCol="0">
+            <a:spAutoFit/>
+          </a:bodyPr>
+          <a:lstStyle/>
+          <a:p>
+            <a:r>
+              <a:rPr lang="en-GB" sz="1200" dirty="0"/>
+              <a:t>Bottom 5</a:t>
+            </a:r>
+          </a:p>
+          <a:p>
+            <a:pPr marL="228600" indent="-228600">
+              <a:buAutoNum type="arabicPeriod"/>
+            </a:pPr>
+            <a:r>
+              <a:rPr lang="en-GB" sz="1000" dirty="0"/>
+              <a:t>Arts &amp; Recreation   -3.17</a:t>
+            </a:r>
+          </a:p>
+          <a:p>
+            <a:pPr marL="228600" indent="-228600">
+              <a:buAutoNum type="arabicPeriod"/>
+            </a:pPr>
+            <a:r>
+              <a:rPr lang="en-GB" sz="1000" dirty="0"/>
+              <a:t>Agriculture, Forestry and Fishing -1.96</a:t>
+            </a:r>
+          </a:p>
+          <a:p>
+            <a:pPr marL="228600" indent="-228600">
+              <a:buAutoNum type="arabicPeriod"/>
+            </a:pPr>
+            <a:r>
+              <a:rPr lang="en-GB" sz="1000" dirty="0"/>
+              <a:t>Electricity, Gas, Water and Waste Services -1.14</a:t>
+            </a:r>
+          </a:p>
+          <a:p>
+            <a:pPr marL="228600" indent="-228600">
+              <a:buAutoNum type="arabicPeriod"/>
+            </a:pPr>
+            <a:r>
+              <a:rPr lang="en-GB" sz="1000" dirty="0"/>
+              <a:t>Construction -1.06</a:t>
+            </a:r>
+          </a:p>
+          <a:p>
+            <a:pPr marL="228600" indent="-228600">
+              <a:buAutoNum type="arabicPeriod"/>
+            </a:pPr>
+            <a:r>
+              <a:rPr lang="en-GB" sz="1000" dirty="0"/>
+              <a:t>Information Media and Telecommunication -0.42</a:t>
+            </a:r>
+          </a:p>
+          <a:p>
+            <a:pPr marL="228600" indent="-228600">
+              <a:buAutoNum type="arabicPeriod"/>
+            </a:pPr>
+            <a:endParaRPr lang="en-GB" sz="1050" dirty="0"/>
+          </a:p>
+          <a:p>
+            <a:pPr marL="228600" indent="-228600">
+              <a:buAutoNum type="arabicPeriod"/>
+            </a:pPr>
+            <a:endParaRPr lang="en-AU" sz="1050" dirty="0"/>
+          </a:p>
+        </p:txBody>
+      </p:sp>
+      <p:sp>
+        <p:nvSpPr>
+          <p:cNvPr id="12" name="Arrow: Down 11">
+            <a:extLst>
+              <a:ext uri="{FF2B5EF4-FFF2-40B4-BE49-F238E27FC236}">
+                <a16:creationId xmlns:a16="http://schemas.microsoft.com/office/drawing/2014/main" id="{579F67B8-6670-A1EB-7A4A-02DC77509C33}"/>
+              </a:ext>
+            </a:extLst>
+          </p:cNvPr>
+          <p:cNvSpPr/>
+          <p:nvPr/>
+        </p:nvSpPr>
+        <p:spPr>
+          <a:xfrm>
+            <a:off x="6678396" y="1954055"/>
+            <a:ext cx="278664" cy="465479"/>
+          </a:xfrm>
+          <a:prstGeom prst="downArrow">
+            <a:avLst/>
+          </a:prstGeom>
+        </p:spPr>
+        <p:style>
+          <a:lnRef idx="1">
+            <a:schemeClr val="accent5"/>
+          </a:lnRef>
+          <a:fillRef idx="2">
+            <a:schemeClr val="accent5"/>
+          </a:fillRef>
+          <a:effectRef idx="1">
+            <a:schemeClr val="accent5"/>
+          </a:effectRef>
+          <a:fontRef idx="minor">
+            <a:schemeClr val="dk1"/>
+          </a:fontRef>
+        </p:style>
+        <p:txBody>
+          <a:bodyPr rtlCol="0" anchor="ctr"/>
+          <a:lstStyle/>
+          <a:p>
+            <a:pPr algn="ctr"/>
+            <a:endParaRPr lang="en-AU"/>
+          </a:p>
+        </p:txBody>
+      </p:sp>
+      <p:sp>
+        <p:nvSpPr>
+          <p:cNvPr id="14" name="Arrow: Right 13">
+            <a:extLst>
+              <a:ext uri="{FF2B5EF4-FFF2-40B4-BE49-F238E27FC236}">
+                <a16:creationId xmlns:a16="http://schemas.microsoft.com/office/drawing/2014/main" id="{258EDC64-4402-660B-C040-4491265A27D5}"/>
+              </a:ext>
+            </a:extLst>
+          </p:cNvPr>
+          <p:cNvSpPr/>
+          <p:nvPr/>
+        </p:nvSpPr>
+        <p:spPr>
+          <a:xfrm>
+            <a:off x="6987540" y="4438465"/>
+            <a:ext cx="457200" cy="240214"/>
+          </a:xfrm>
+          <a:prstGeom prst="rightArrow">
+            <a:avLst/>
+          </a:prstGeom>
+        </p:spPr>
+        <p:style>
+          <a:lnRef idx="1">
+            <a:schemeClr val="accent5"/>
+          </a:lnRef>
+          <a:fillRef idx="2">
+            <a:schemeClr val="accent5"/>
+          </a:fillRef>
+          <a:effectRef idx="1">
+            <a:schemeClr val="accent5"/>
+          </a:effectRef>
+          <a:fontRef idx="minor">
+            <a:schemeClr val="dk1"/>
+          </a:fontRef>
+        </p:style>
+        <p:txBody>
+          <a:bodyPr rtlCol="0" anchor="ctr"/>
+          <a:lstStyle/>
+          <a:p>
+            <a:pPr algn="ctr"/>
+            <a:endParaRPr lang="en-AU"/>
+          </a:p>
+        </p:txBody>
+      </p:sp>
+      <p:sp>
+        <p:nvSpPr>
+          <p:cNvPr id="15" name="Arrow: Down 14">
+            <a:extLst>
+              <a:ext uri="{FF2B5EF4-FFF2-40B4-BE49-F238E27FC236}">
+                <a16:creationId xmlns:a16="http://schemas.microsoft.com/office/drawing/2014/main" id="{CD663C27-8FC8-EFC3-4E48-515FEC7C11A5}"/>
+              </a:ext>
+            </a:extLst>
+          </p:cNvPr>
+          <p:cNvSpPr/>
+          <p:nvPr/>
+        </p:nvSpPr>
+        <p:spPr>
+          <a:xfrm>
+            <a:off x="2491740" y="1821180"/>
+            <a:ext cx="327660" cy="510540"/>
+          </a:xfrm>
+          <a:prstGeom prst="downArrow">
+            <a:avLst/>
+          </a:prstGeom>
+        </p:spPr>
+        <p:style>
+          <a:lnRef idx="1">
+            <a:schemeClr val="accent5"/>
+          </a:lnRef>
+          <a:fillRef idx="2">
+            <a:schemeClr val="accent5"/>
+          </a:fillRef>
+          <a:effectRef idx="1">
+            <a:schemeClr val="accent5"/>
+          </a:effectRef>
+          <a:fontRef idx="minor">
+            <a:schemeClr val="dk1"/>
+          </a:fontRef>
+        </p:style>
+        <p:txBody>
+          <a:bodyPr rtlCol="0" anchor="ctr"/>
+          <a:lstStyle/>
+          <a:p>
+            <a:pPr algn="ctr"/>
+            <a:endParaRPr lang="en-AU"/>
+          </a:p>
+        </p:txBody>
+      </p:sp>
+      <p:sp>
+        <p:nvSpPr>
+          <p:cNvPr id="16" name="Arrow: Right 15">
+            <a:extLst>
+              <a:ext uri="{FF2B5EF4-FFF2-40B4-BE49-F238E27FC236}">
+                <a16:creationId xmlns:a16="http://schemas.microsoft.com/office/drawing/2014/main" id="{8F261856-2E80-27AA-51BC-2D3D3E9BBAAF}"/>
+              </a:ext>
+            </a:extLst>
+          </p:cNvPr>
+          <p:cNvSpPr/>
+          <p:nvPr/>
+        </p:nvSpPr>
+        <p:spPr>
+          <a:xfrm>
+            <a:off x="2678430" y="4168139"/>
+            <a:ext cx="518160" cy="270325"/>
+          </a:xfrm>
+          <a:prstGeom prst="rightArrow">
+            <a:avLst/>
+          </a:prstGeom>
+        </p:spPr>
+        <p:style>
+          <a:lnRef idx="1">
+            <a:schemeClr val="accent5"/>
+          </a:lnRef>
+          <a:fillRef idx="2">
+            <a:schemeClr val="accent5"/>
+          </a:fillRef>
+          <a:effectRef idx="1">
+            <a:schemeClr val="accent5"/>
+          </a:effectRef>
+          <a:fontRef idx="minor">
+            <a:schemeClr val="dk1"/>
+          </a:fontRef>
+        </p:style>
+        <p:txBody>
+          <a:bodyPr rtlCol="0" anchor="ctr"/>
+          <a:lstStyle/>
+          <a:p>
+            <a:pPr algn="ctr"/>
+            <a:endParaRPr lang="en-AU"/>
+          </a:p>
+        </p:txBody>
+      </p:sp>
     </p:spTree>
     <p:extLst>
       <p:ext uri="{BB962C8B-B14F-4D97-AF65-F5344CB8AC3E}">
-        <p14:creationId xmlns:p14="http://schemas.microsoft.com/office/powerpoint/2010/main" val="2906800468"/>
+        <p14:creationId xmlns:p14="http://schemas.microsoft.com/office/powerpoint/2010/main" val="2185861617"/>
       </p:ext>
     </p:extLst>
   </p:cSld>
@@ -5256,7 +6319,7 @@
           <p:cNvPr id="2" name="Title 1">
             <a:extLst>
               <a:ext uri="{FF2B5EF4-FFF2-40B4-BE49-F238E27FC236}">
-                <a16:creationId xmlns:a16="http://schemas.microsoft.com/office/drawing/2014/main" id="{EAA63AD2-6C29-F6B2-7348-B9AC0DE7EF1B}"/>
+                <a16:creationId xmlns:a16="http://schemas.microsoft.com/office/drawing/2014/main" id="{2A9851A9-7FAD-0ADB-DB23-51A86D73113E}"/>
               </a:ext>
             </a:extLst>
           </p:cNvPr>
@@ -5269,7 +6332,7 @@
         </p:nvSpPr>
         <p:spPr>
           <a:xfrm>
-            <a:off x="838200" y="195306"/>
+            <a:off x="799011" y="286748"/>
             <a:ext cx="10515600" cy="1325563"/>
           </a:xfrm>
         </p:spPr>
@@ -5281,187 +6344,115 @@
           <a:p>
             <a:r>
               <a:rPr lang="en-AU" sz="4000" b="1" dirty="0"/>
-              <a:t>WA Full Time Employment</a:t>
-            </a:r>
-          </a:p>
-        </p:txBody>
-      </p:sp>
-      <p:pic>
-        <p:nvPicPr>
-          <p:cNvPr id="6146" name="Picture 2">
-            <a:extLst>
-              <a:ext uri="{FF2B5EF4-FFF2-40B4-BE49-F238E27FC236}">
-                <a16:creationId xmlns:a16="http://schemas.microsoft.com/office/drawing/2014/main" id="{6855F483-CDD4-9D0D-7C86-D61B2AB399A9}"/>
-              </a:ext>
-            </a:extLst>
-          </p:cNvPr>
-          <p:cNvPicPr>
-            <a:picLocks noGrp="1" noChangeAspect="1" noChangeArrowheads="1"/>
-          </p:cNvPicPr>
+              <a:t>Summary</a:t>
+            </a:r>
+          </a:p>
+        </p:txBody>
+      </p:sp>
+      <p:sp>
+        <p:nvSpPr>
+          <p:cNvPr id="3" name="Content Placeholder 2">
+            <a:extLst>
+              <a:ext uri="{FF2B5EF4-FFF2-40B4-BE49-F238E27FC236}">
+                <a16:creationId xmlns:a16="http://schemas.microsoft.com/office/drawing/2014/main" id="{4982D281-E98A-C281-FE71-DD74CF5B3D2A}"/>
+              </a:ext>
+            </a:extLst>
+          </p:cNvPr>
+          <p:cNvSpPr>
+            <a:spLocks noGrp="1"/>
+          </p:cNvSpPr>
           <p:nvPr>
             <p:ph idx="1"/>
           </p:nvPr>
-        </p:nvPicPr>
-        <p:blipFill>
-          <a:blip r:embed="rId2">
-            <a:extLst>
-              <a:ext uri="{28A0092B-C50C-407E-A947-70E740481C1C}">
-                <a14:useLocalDpi xmlns:a14="http://schemas.microsoft.com/office/drawing/2010/main" val="0"/>
-              </a:ext>
-            </a:extLst>
-          </a:blip>
-          <a:srcRect/>
-          <a:stretch>
-            <a:fillRect/>
-          </a:stretch>
-        </p:blipFill>
-        <p:spPr bwMode="auto">
-          <a:xfrm>
-            <a:off x="1931509" y="1326091"/>
-            <a:ext cx="7297158" cy="5582956"/>
-          </a:xfrm>
-          <a:prstGeom prst="rect">
-            <a:avLst/>
-          </a:prstGeom>
-          <a:noFill/>
-          <a:extLst>
-            <a:ext uri="{909E8E84-426E-40DD-AFC4-6F175D3DCCD1}">
-              <a14:hiddenFill xmlns:a14="http://schemas.microsoft.com/office/drawing/2010/main">
-                <a:solidFill>
-                  <a:srgbClr val="FFFFFF"/>
-                </a:solidFill>
-              </a14:hiddenFill>
-            </a:ext>
-          </a:extLst>
-        </p:spPr>
-      </p:pic>
+        </p:nvSpPr>
+        <p:spPr>
+          <a:xfrm>
+            <a:off x="642257" y="1380761"/>
+            <a:ext cx="10515600" cy="4575901"/>
+          </a:xfrm>
+        </p:spPr>
+        <p:txBody>
+          <a:bodyPr>
+            <a:normAutofit fontScale="92500" lnSpcReduction="20000"/>
+          </a:bodyPr>
+          <a:lstStyle/>
+          <a:p>
+            <a:pPr>
+              <a:lnSpc>
+                <a:spcPct val="100000"/>
+              </a:lnSpc>
+            </a:pPr>
+            <a:r>
+              <a:rPr lang="en-AU" sz="2000" dirty="0"/>
+              <a:t>COVID initially had a negative impact on overall employment in 2020 when lockdowns and border restrictions happened. Most industries slowed down, employees were either retrenched or stood down and some businesses closed or were operating on less hours.</a:t>
+            </a:r>
+          </a:p>
+          <a:p>
+            <a:pPr>
+              <a:lnSpc>
+                <a:spcPct val="100000"/>
+              </a:lnSpc>
+            </a:pPr>
+            <a:r>
+              <a:rPr lang="en-AU" sz="2000" dirty="0"/>
+              <a:t>Based on the employment rate, average weekly earnings and job vacancies available, we have seen that COVID had negative impact on certain industries, positive on other industries while others remained stable. </a:t>
+            </a:r>
+          </a:p>
+          <a:p>
+            <a:pPr>
+              <a:lnSpc>
+                <a:spcPct val="100000"/>
+              </a:lnSpc>
+            </a:pPr>
+            <a:r>
+              <a:rPr lang="en-AU" sz="2000" dirty="0"/>
+              <a:t>Data is showing that employment rate and majority of the industries are performing better currently than before.</a:t>
+            </a:r>
+          </a:p>
+          <a:p>
+            <a:pPr>
+              <a:lnSpc>
+                <a:spcPct val="100000"/>
+              </a:lnSpc>
+            </a:pPr>
+            <a:r>
+              <a:rPr lang="en-AU" sz="2000" dirty="0"/>
+              <a:t>COVID has triggered people to re-evaluate their current role and employment status. Some are wanting more flexibility and moving from full-time to part-time. Due to limited data, we are unable to determine industries/roles offering hybrid working arrangement and if more people prefer this setting.</a:t>
+            </a:r>
+          </a:p>
+          <a:p>
+            <a:pPr>
+              <a:lnSpc>
+                <a:spcPct val="100000"/>
+              </a:lnSpc>
+            </a:pPr>
+            <a:r>
+              <a:rPr lang="en-AU" sz="2000" dirty="0"/>
+              <a:t>For someone who has been thinking of moving in the next 6 to 12 months, now is a good time to explore opportunities available. </a:t>
+            </a:r>
+          </a:p>
+          <a:p>
+            <a:pPr>
+              <a:lnSpc>
+                <a:spcPct val="100000"/>
+              </a:lnSpc>
+            </a:pPr>
+            <a:r>
+              <a:rPr lang="en-AU" sz="2000" dirty="0"/>
+              <a:t>For those who might already be in a well-performing or stable industry, there is an opportunity to assess your remuneration and compare it with the current market.</a:t>
+            </a:r>
+          </a:p>
+        </p:txBody>
+      </p:sp>
     </p:spTree>
     <p:extLst>
       <p:ext uri="{BB962C8B-B14F-4D97-AF65-F5344CB8AC3E}">
-        <p14:creationId xmlns:p14="http://schemas.microsoft.com/office/powerpoint/2010/main" val="1052448718"/>
+        <p14:creationId xmlns:p14="http://schemas.microsoft.com/office/powerpoint/2010/main" val="987156863"/>
       </p:ext>
     </p:extLst>
   </p:cSld>
   <p:clrMapOvr>
     <a:masterClrMapping/>
-  </p:clrMapOvr>
-</p:sld>
-</file>
-
-<file path=ppt/slides/slide19.xml><?xml version="1.0" encoding="utf-8"?>
-<p:sld xmlns:a="http://schemas.openxmlformats.org/drawingml/2006/main" xmlns:r="http://schemas.openxmlformats.org/officeDocument/2006/relationships" xmlns:p="http://schemas.openxmlformats.org/presentationml/2006/main">
-  <p:cSld>
-    <p:bg>
-      <p:bgRef idx="1001">
-        <a:schemeClr val="bg1"/>
-      </p:bgRef>
-    </p:bg>
-    <p:spTree>
-      <p:nvGrpSpPr>
-        <p:cNvPr id="1" name=""/>
-        <p:cNvGrpSpPr/>
-        <p:nvPr/>
-      </p:nvGrpSpPr>
-      <p:grpSpPr>
-        <a:xfrm>
-          <a:off x="0" y="0"/>
-          <a:ext cx="0" cy="0"/>
-          <a:chOff x="0" y="0"/>
-          <a:chExt cx="0" cy="0"/>
-        </a:xfrm>
-      </p:grpSpPr>
-      <p:sp>
-        <p:nvSpPr>
-          <p:cNvPr id="2" name="Title 1">
-            <a:extLst>
-              <a:ext uri="{FF2B5EF4-FFF2-40B4-BE49-F238E27FC236}">
-                <a16:creationId xmlns:a16="http://schemas.microsoft.com/office/drawing/2014/main" id="{69742DBE-1978-D636-7FFA-A1E875043956}"/>
-              </a:ext>
-            </a:extLst>
-          </p:cNvPr>
-          <p:cNvSpPr>
-            <a:spLocks noGrp="1"/>
-          </p:cNvSpPr>
-          <p:nvPr>
-            <p:ph type="title"/>
-          </p:nvPr>
-        </p:nvSpPr>
-        <p:spPr>
-          <a:xfrm>
-            <a:off x="524933" y="111125"/>
-            <a:ext cx="10515600" cy="1325563"/>
-          </a:xfrm>
-        </p:spPr>
-        <p:txBody>
-          <a:bodyPr vert="horz" lIns="91440" tIns="45720" rIns="91440" bIns="45720" rtlCol="0" anchor="ctr">
-            <a:normAutofit/>
-          </a:bodyPr>
-          <a:lstStyle/>
-          <a:p>
-            <a:r>
-              <a:rPr lang="en-US" sz="4000" b="1" dirty="0"/>
-              <a:t>WA Part Time Employment</a:t>
-            </a:r>
-            <a:endParaRPr lang="en-AU" sz="4000" b="1" dirty="0"/>
-          </a:p>
-        </p:txBody>
-      </p:sp>
-      <p:pic>
-        <p:nvPicPr>
-          <p:cNvPr id="7170" name="Picture 2">
-            <a:extLst>
-              <a:ext uri="{FF2B5EF4-FFF2-40B4-BE49-F238E27FC236}">
-                <a16:creationId xmlns:a16="http://schemas.microsoft.com/office/drawing/2014/main" id="{61B37154-391D-54CD-2328-70B91AF55920}"/>
-              </a:ext>
-            </a:extLst>
-          </p:cNvPr>
-          <p:cNvPicPr>
-            <a:picLocks noChangeAspect="1" noChangeArrowheads="1"/>
-          </p:cNvPicPr>
-          <p:nvPr/>
-        </p:nvPicPr>
-        <p:blipFill>
-          <a:blip r:embed="rId3">
-            <a:extLst>
-              <a:ext uri="{28A0092B-C50C-407E-A947-70E740481C1C}">
-                <a14:useLocalDpi xmlns:a14="http://schemas.microsoft.com/office/drawing/2010/main" val="0"/>
-              </a:ext>
-            </a:extLst>
-          </a:blip>
-          <a:srcRect/>
-          <a:stretch>
-            <a:fillRect/>
-          </a:stretch>
-        </p:blipFill>
-        <p:spPr bwMode="auto">
-          <a:xfrm>
-            <a:off x="1659467" y="1103119"/>
-            <a:ext cx="7340600" cy="5643756"/>
-          </a:xfrm>
-          <a:prstGeom prst="rect">
-            <a:avLst/>
-          </a:prstGeom>
-          <a:noFill/>
-          <a:extLst>
-            <a:ext uri="{909E8E84-426E-40DD-AFC4-6F175D3DCCD1}">
-              <a14:hiddenFill xmlns:a14="http://schemas.microsoft.com/office/drawing/2010/main">
-                <a:solidFill>
-                  <a:srgbClr val="FFFFFF"/>
-                </a:solidFill>
-              </a14:hiddenFill>
-            </a:ext>
-          </a:extLst>
-        </p:spPr>
-      </p:pic>
-    </p:spTree>
-    <p:extLst>
-      <p:ext uri="{BB962C8B-B14F-4D97-AF65-F5344CB8AC3E}">
-        <p14:creationId xmlns:p14="http://schemas.microsoft.com/office/powerpoint/2010/main" val="1683106041"/>
-      </p:ext>
-    </p:extLst>
-  </p:cSld>
-  <p:clrMapOvr>
-    <a:overrideClrMapping bg1="lt1" tx1="dk1" bg2="lt2" tx2="dk2" accent1="accent1" accent2="accent2" accent3="accent3" accent4="accent4" accent5="accent5" accent6="accent6" hlink="hlink" folHlink="folHlink"/>
   </p:clrMapOvr>
 </p:sld>
 </file>
@@ -5552,166 +6543,6 @@
     <p:extLst>
       <p:ext uri="{BB962C8B-B14F-4D97-AF65-F5344CB8AC3E}">
         <p14:creationId xmlns:p14="http://schemas.microsoft.com/office/powerpoint/2010/main" val="79906420"/>
-      </p:ext>
-    </p:extLst>
-  </p:cSld>
-  <p:clrMapOvr>
-    <a:masterClrMapping/>
-  </p:clrMapOvr>
-</p:sld>
-</file>
-
-<file path=ppt/slides/slide20.xml><?xml version="1.0" encoding="utf-8"?>
-<p:sld xmlns:a="http://schemas.openxmlformats.org/drawingml/2006/main" xmlns:r="http://schemas.openxmlformats.org/officeDocument/2006/relationships" xmlns:p="http://schemas.openxmlformats.org/presentationml/2006/main">
-  <p:cSld>
-    <p:spTree>
-      <p:nvGrpSpPr>
-        <p:cNvPr id="1" name=""/>
-        <p:cNvGrpSpPr/>
-        <p:nvPr/>
-      </p:nvGrpSpPr>
-      <p:grpSpPr>
-        <a:xfrm>
-          <a:off x="0" y="0"/>
-          <a:ext cx="0" cy="0"/>
-          <a:chOff x="0" y="0"/>
-          <a:chExt cx="0" cy="0"/>
-        </a:xfrm>
-      </p:grpSpPr>
-      <p:sp>
-        <p:nvSpPr>
-          <p:cNvPr id="2" name="Title 1">
-            <a:extLst>
-              <a:ext uri="{FF2B5EF4-FFF2-40B4-BE49-F238E27FC236}">
-                <a16:creationId xmlns:a16="http://schemas.microsoft.com/office/drawing/2014/main" id="{2A9851A9-7FAD-0ADB-DB23-51A86D73113E}"/>
-              </a:ext>
-            </a:extLst>
-          </p:cNvPr>
-          <p:cNvSpPr>
-            <a:spLocks noGrp="1"/>
-          </p:cNvSpPr>
-          <p:nvPr>
-            <p:ph type="title"/>
-          </p:nvPr>
-        </p:nvSpPr>
-        <p:spPr>
-          <a:xfrm>
-            <a:off x="799011" y="286748"/>
-            <a:ext cx="10515600" cy="1325563"/>
-          </a:xfrm>
-        </p:spPr>
-        <p:txBody>
-          <a:bodyPr vert="horz" lIns="91440" tIns="45720" rIns="91440" bIns="45720" rtlCol="0" anchor="ctr">
-            <a:normAutofit/>
-          </a:bodyPr>
-          <a:lstStyle/>
-          <a:p>
-            <a:r>
-              <a:rPr lang="en-AU" sz="4000" b="1" dirty="0"/>
-              <a:t>Summary</a:t>
-            </a:r>
-          </a:p>
-        </p:txBody>
-      </p:sp>
-      <p:sp>
-        <p:nvSpPr>
-          <p:cNvPr id="3" name="Content Placeholder 2">
-            <a:extLst>
-              <a:ext uri="{FF2B5EF4-FFF2-40B4-BE49-F238E27FC236}">
-                <a16:creationId xmlns:a16="http://schemas.microsoft.com/office/drawing/2014/main" id="{4982D281-E98A-C281-FE71-DD74CF5B3D2A}"/>
-              </a:ext>
-            </a:extLst>
-          </p:cNvPr>
-          <p:cNvSpPr>
-            <a:spLocks noGrp="1"/>
-          </p:cNvSpPr>
-          <p:nvPr>
-            <p:ph idx="1"/>
-          </p:nvPr>
-        </p:nvSpPr>
-        <p:spPr>
-          <a:xfrm>
-            <a:off x="642257" y="1380761"/>
-            <a:ext cx="10515600" cy="4575901"/>
-          </a:xfrm>
-        </p:spPr>
-        <p:txBody>
-          <a:bodyPr>
-            <a:normAutofit fontScale="92500" lnSpcReduction="20000"/>
-          </a:bodyPr>
-          <a:lstStyle/>
-          <a:p>
-            <a:pPr>
-              <a:lnSpc>
-                <a:spcPct val="100000"/>
-              </a:lnSpc>
-            </a:pPr>
-            <a:r>
-              <a:rPr lang="en-AU" sz="2000" dirty="0"/>
-              <a:t>COVID initially had a negative impact on overall employment in 2020 when lockdowns and border restrictions happened. Most industries slowed down, employees were either retrenched or stood down and some businesses closed or were operating on less hours.</a:t>
-            </a:r>
-          </a:p>
-          <a:p>
-            <a:pPr>
-              <a:lnSpc>
-                <a:spcPct val="100000"/>
-              </a:lnSpc>
-            </a:pPr>
-            <a:r>
-              <a:rPr lang="en-AU" sz="2000" dirty="0"/>
-              <a:t>Based on the employment rate, average weekly earnings and job vacancies available, we have seen that COVID had negative impact on certain industries, positive on other industries while others remained stable. </a:t>
-            </a:r>
-          </a:p>
-          <a:p>
-            <a:pPr>
-              <a:lnSpc>
-                <a:spcPct val="100000"/>
-              </a:lnSpc>
-            </a:pPr>
-            <a:r>
-              <a:rPr lang="en-AU" sz="2000" dirty="0"/>
-              <a:t>Data is showing that employment rate and majority of the industries are performing better currently than before.</a:t>
-            </a:r>
-          </a:p>
-          <a:p>
-            <a:pPr>
-              <a:lnSpc>
-                <a:spcPct val="100000"/>
-              </a:lnSpc>
-            </a:pPr>
-            <a:r>
-              <a:rPr lang="en-AU" sz="2000" dirty="0"/>
-              <a:t>COVID has triggered people to re-evaluate their current role and employment status. Some are wanting more flexibility and moving from full-time to part-time. Due to limited data, we are unable to determine industries/roles offering hybrid working arrangement and if more people prefer this setting.</a:t>
-            </a:r>
-          </a:p>
-          <a:p>
-            <a:pPr>
-              <a:lnSpc>
-                <a:spcPct val="100000"/>
-              </a:lnSpc>
-            </a:pPr>
-            <a:r>
-              <a:rPr lang="en-AU" sz="2000" dirty="0"/>
-              <a:t>For someone who has been thinking of moving in the next 6 to 12 months, now is a good time to explore opportunities available. </a:t>
-            </a:r>
-          </a:p>
-          <a:p>
-            <a:pPr>
-              <a:lnSpc>
-                <a:spcPct val="100000"/>
-              </a:lnSpc>
-            </a:pPr>
-            <a:r>
-              <a:rPr lang="en-AU" sz="2000" dirty="0"/>
-              <a:t>For those who might already be in a well-performing or stable industry, there is an opportunity to assess your remuneration and compare it with the current market.</a:t>
-            </a:r>
-          </a:p>
-        </p:txBody>
-      </p:sp>
-    </p:spTree>
-    <p:extLst>
-      <p:ext uri="{BB962C8B-B14F-4D97-AF65-F5344CB8AC3E}">
-        <p14:creationId xmlns:p14="http://schemas.microsoft.com/office/powerpoint/2010/main" val="987156863"/>
       </p:ext>
     </p:extLst>
   </p:cSld>
@@ -8683,47 +9514,4 @@
     </a:folHlink>
   </a:clrScheme>
 </a:themeOverride>
-</file>
-
-<file path=ppt/theme/themeOverride2.xml><?xml version="1.0" encoding="utf-8"?>
-<a:themeOverride xmlns:a="http://schemas.openxmlformats.org/drawingml/2006/main">
-  <a:clrScheme name="Office">
-    <a:dk1>
-      <a:sysClr val="windowText" lastClr="000000"/>
-    </a:dk1>
-    <a:lt1>
-      <a:sysClr val="window" lastClr="FFFFFF"/>
-    </a:lt1>
-    <a:dk2>
-      <a:srgbClr val="44546A"/>
-    </a:dk2>
-    <a:lt2>
-      <a:srgbClr val="E7E6E6"/>
-    </a:lt2>
-    <a:accent1>
-      <a:srgbClr val="4472C4"/>
-    </a:accent1>
-    <a:accent2>
-      <a:srgbClr val="ED7D31"/>
-    </a:accent2>
-    <a:accent3>
-      <a:srgbClr val="A5A5A5"/>
-    </a:accent3>
-    <a:accent4>
-      <a:srgbClr val="FFC000"/>
-    </a:accent4>
-    <a:accent5>
-      <a:srgbClr val="5B9BD5"/>
-    </a:accent5>
-    <a:accent6>
-      <a:srgbClr val="70AD47"/>
-    </a:accent6>
-    <a:hlink>
-      <a:srgbClr val="0563C1"/>
-    </a:hlink>
-    <a:folHlink>
-      <a:srgbClr val="954F72"/>
-    </a:folHlink>
-  </a:clrScheme>
-</a:themeOverride>
 </file>